--- a/Portada/Portada 2025-2026.pptx
+++ b/Portada/Portada 2025-2026.pptx
@@ -4234,7 +4234,7 @@
                   <a:schemeClr val="bg1"/>
                 </a:solidFill>
               </a:rPr>
-              <a:t>Curso 2024-2025</a:t>
+              <a:t>Curso 2025-2026</a:t>
             </a:r>
           </a:p>
         </p:txBody>
